--- a/ppt/MiniProjectPPT.pptx
+++ b/ppt/MiniProjectPPT.pptx
@@ -5,7 +5,7 @@
     <p:sldMasterId id="2147483660" r:id="rId1"/>
   </p:sldMasterIdLst>
   <p:notesMasterIdLst>
-    <p:notesMasterId r:id="rId11"/>
+    <p:notesMasterId r:id="rId10"/>
   </p:notesMasterIdLst>
   <p:sldIdLst>
     <p:sldId id="256" r:id="rId2"/>
@@ -13,32 +13,31 @@
     <p:sldId id="273" r:id="rId4"/>
     <p:sldId id="260" r:id="rId5"/>
     <p:sldId id="262" r:id="rId6"/>
-    <p:sldId id="263" r:id="rId7"/>
-    <p:sldId id="274" r:id="rId8"/>
-    <p:sldId id="276" r:id="rId9"/>
-    <p:sldId id="272" r:id="rId10"/>
+    <p:sldId id="274" r:id="rId7"/>
+    <p:sldId id="276" r:id="rId8"/>
+    <p:sldId id="272" r:id="rId9"/>
   </p:sldIdLst>
   <p:sldSz cx="10058400" cy="5659438"/>
   <p:notesSz cx="9144000" cy="6858000"/>
   <p:embeddedFontLst>
     <p:embeddedFont>
       <p:font typeface="Calibri" panose="020F0502020204030204" pitchFamily="34" charset="0"/>
-      <p:regular r:id="rId12"/>
-      <p:bold r:id="rId13"/>
-      <p:italic r:id="rId14"/>
-      <p:boldItalic r:id="rId15"/>
+      <p:regular r:id="rId11"/>
+      <p:bold r:id="rId12"/>
+      <p:italic r:id="rId13"/>
+      <p:boldItalic r:id="rId14"/>
+    </p:embeddedFont>
+    <p:embeddedFont>
+      <p:font typeface="Quattrocento Sans" panose="020B0604020202020204" charset="0"/>
+      <p:regular r:id="rId15"/>
+      <p:bold r:id="rId16"/>
+      <p:italic r:id="rId17"/>
+      <p:boldItalic r:id="rId18"/>
     </p:embeddedFont>
     <p:embeddedFont>
       <p:font typeface="Tahoma" panose="020B0604030504040204" pitchFamily="34" charset="0"/>
-      <p:regular r:id="rId16"/>
-      <p:bold r:id="rId17"/>
-    </p:embeddedFont>
-    <p:embeddedFont>
-      <p:font typeface="Quattrocento Sans" panose="020B0604020202020204" charset="0"/>
-      <p:regular r:id="rId18"/>
-      <p:bold r:id="rId19"/>
-      <p:italic r:id="rId20"/>
-      <p:boldItalic r:id="rId21"/>
+      <p:regular r:id="rId19"/>
+      <p:bold r:id="rId20"/>
     </p:embeddedFont>
   </p:embeddedFontLst>
   <p:defaultTextStyle>
@@ -2017,110 +2016,6 @@
   <p:cSld>
     <p:spTree>
       <p:nvGrpSpPr>
-        <p:cNvPr id="1" name="Shape 185"/>
-        <p:cNvGrpSpPr/>
-        <p:nvPr/>
-      </p:nvGrpSpPr>
-      <p:grpSpPr>
-        <a:xfrm>
-          <a:off x="0" y="0"/>
-          <a:ext cx="0" cy="0"/>
-          <a:chOff x="0" y="0"/>
-          <a:chExt cx="0" cy="0"/>
-        </a:xfrm>
-      </p:grpSpPr>
-      <p:sp>
-        <p:nvSpPr>
-          <p:cNvPr id="186" name="Google Shape;186;p10:notes"/>
-          <p:cNvSpPr txBox="1">
-            <a:spLocks noGrp="1"/>
-          </p:cNvSpPr>
-          <p:nvPr>
-            <p:ph type="body" idx="1"/>
-          </p:nvPr>
-        </p:nvSpPr>
-        <p:spPr>
-          <a:xfrm>
-            <a:off x="914400" y="3300413"/>
-            <a:ext cx="7315200" cy="2700337"/>
-          </a:xfrm>
-          <a:prstGeom prst="rect">
-            <a:avLst/>
-          </a:prstGeom>
-        </p:spPr>
-        <p:txBody>
-          <a:bodyPr spcFirstLastPara="1" wrap="square" lIns="91425" tIns="45700" rIns="91425" bIns="45700" anchor="t" anchorCtr="0">
-            <a:noAutofit/>
-          </a:bodyPr>
-          <a:lstStyle/>
-          <a:p>
-            <a:pPr marL="0" lvl="0" indent="0" algn="l" rtl="0">
-              <a:spcBef>
-                <a:spcPts val="0"/>
-              </a:spcBef>
-              <a:spcAft>
-                <a:spcPts val="0"/>
-              </a:spcAft>
-              <a:buNone/>
-            </a:pPr>
-            <a:endParaRPr/>
-          </a:p>
-        </p:txBody>
-      </p:sp>
-      <p:sp>
-        <p:nvSpPr>
-          <p:cNvPr id="187" name="Google Shape;187;p10:notes"/>
-          <p:cNvSpPr>
-            <a:spLocks noGrp="1" noRot="1" noChangeAspect="1"/>
-          </p:cNvSpPr>
-          <p:nvPr>
-            <p:ph type="sldImg" idx="2"/>
-          </p:nvPr>
-        </p:nvSpPr>
-        <p:spPr>
-          <a:xfrm>
-            <a:off x="2514600" y="857250"/>
-            <a:ext cx="4114800" cy="2314575"/>
-          </a:xfrm>
-          <a:custGeom>
-            <a:avLst/>
-            <a:gdLst/>
-            <a:ahLst/>
-            <a:cxnLst/>
-            <a:rect l="l" t="t" r="r" b="b"/>
-            <a:pathLst>
-              <a:path w="120000" h="120000" extrusionOk="0">
-                <a:moveTo>
-                  <a:pt x="0" y="0"/>
-                </a:moveTo>
-                <a:lnTo>
-                  <a:pt x="120000" y="0"/>
-                </a:lnTo>
-                <a:lnTo>
-                  <a:pt x="120000" y="120000"/>
-                </a:lnTo>
-                <a:lnTo>
-                  <a:pt x="0" y="120000"/>
-                </a:lnTo>
-                <a:close/>
-              </a:path>
-            </a:pathLst>
-          </a:custGeom>
-        </p:spPr>
-      </p:sp>
-    </p:spTree>
-  </p:cSld>
-  <p:clrMapOvr>
-    <a:masterClrMapping/>
-  </p:clrMapOvr>
-</p:notes>
-</file>
-
-<file path=ppt/notesSlides/notesSlide7.xml><?xml version="1.0" encoding="utf-8"?>
-<p:notes xmlns:a="http://schemas.openxmlformats.org/drawingml/2006/main" xmlns:r="http://schemas.openxmlformats.org/officeDocument/2006/relationships" xmlns:p="http://schemas.openxmlformats.org/presentationml/2006/main" showMasterSp="0" showMasterPhAnim="0">
-  <p:cSld>
-    <p:spTree>
-      <p:nvGrpSpPr>
         <p:cNvPr id="1" name="Shape 219"/>
         <p:cNvGrpSpPr/>
         <p:nvPr/>
@@ -2225,7 +2120,7 @@
 </p:notes>
 </file>
 
-<file path=ppt/notesSlides/notesSlide8.xml><?xml version="1.0" encoding="utf-8"?>
+<file path=ppt/notesSlides/notesSlide7.xml><?xml version="1.0" encoding="utf-8"?>
 <p:notes xmlns:a="http://schemas.openxmlformats.org/drawingml/2006/main" xmlns:r="http://schemas.openxmlformats.org/officeDocument/2006/relationships" xmlns:p="http://schemas.openxmlformats.org/presentationml/2006/main" showMasterSp="0" showMasterPhAnim="0">
   <p:cSld>
     <p:spTree>
@@ -16629,19 +16524,7 @@
                 <a:cs typeface="Tahoma"/>
                 <a:sym typeface="Tahoma"/>
               </a:rPr>
-              <a:t>Project </a:t>
-            </a:r>
-            <a:r>
-              <a:rPr lang="en-US" sz="1600" b="1" dirty="0" smtClean="0">
-                <a:solidFill>
-                  <a:srgbClr val="2B3B4B"/>
-                </a:solidFill>
-                <a:latin typeface="Tahoma"/>
-                <a:ea typeface="Tahoma"/>
-                <a:cs typeface="Tahoma"/>
-                <a:sym typeface="Tahoma"/>
-              </a:rPr>
-              <a:t>Scope:</a:t>
+              <a:t>Project Scope:</a:t>
             </a:r>
           </a:p>
           <a:p>
@@ -16714,15 +16597,6 @@
               </a:rPr>
               <a:t>.</a:t>
             </a:r>
-            <a:endParaRPr lang="en-US" dirty="0" smtClean="0">
-              <a:solidFill>
-                <a:srgbClr val="002060"/>
-              </a:solidFill>
-              <a:latin typeface="Tahoma" panose="020B0604030504040204" pitchFamily="34" charset="0"/>
-              <a:ea typeface="Tahoma" panose="020B0604030504040204" pitchFamily="34" charset="0"/>
-              <a:cs typeface="Tahoma" panose="020B0604030504040204" pitchFamily="34" charset="0"/>
-              <a:sym typeface="Tahoma"/>
-            </a:endParaRPr>
           </a:p>
           <a:p>
             <a:pPr marL="171450" lvl="0" indent="-171450">
@@ -18543,387 +18417,6 @@
   <p:cSld>
     <p:spTree>
       <p:nvGrpSpPr>
-        <p:cNvPr id="1" name="Shape 188"/>
-        <p:cNvGrpSpPr/>
-        <p:nvPr/>
-      </p:nvGrpSpPr>
-      <p:grpSpPr>
-        <a:xfrm>
-          <a:off x="0" y="0"/>
-          <a:ext cx="0" cy="0"/>
-          <a:chOff x="0" y="0"/>
-          <a:chExt cx="0" cy="0"/>
-        </a:xfrm>
-      </p:grpSpPr>
-      <p:sp>
-        <p:nvSpPr>
-          <p:cNvPr id="189" name="Google Shape;189;p21"/>
-          <p:cNvSpPr/>
-          <p:nvPr/>
-        </p:nvSpPr>
-        <p:spPr>
-          <a:xfrm>
-            <a:off x="0" y="735013"/>
-            <a:ext cx="675278" cy="265906"/>
-          </a:xfrm>
-          <a:prstGeom prst="rect">
-            <a:avLst/>
-          </a:prstGeom>
-          <a:solidFill>
-            <a:srgbClr val="00B8F1"/>
-          </a:solidFill>
-          <a:ln>
-            <a:noFill/>
-          </a:ln>
-        </p:spPr>
-        <p:txBody>
-          <a:bodyPr spcFirstLastPara="1" wrap="square" lIns="91425" tIns="45700" rIns="91425" bIns="45700" anchor="ctr" anchorCtr="0">
-            <a:noAutofit/>
-          </a:bodyPr>
-          <a:lstStyle/>
-          <a:p>
-            <a:pPr marL="0" marR="0" lvl="0" indent="0" algn="ctr" rtl="0">
-              <a:spcBef>
-                <a:spcPts val="0"/>
-              </a:spcBef>
-              <a:spcAft>
-                <a:spcPts val="0"/>
-              </a:spcAft>
-              <a:buNone/>
-            </a:pPr>
-            <a:endParaRPr sz="2000">
-              <a:solidFill>
-                <a:schemeClr val="lt1"/>
-              </a:solidFill>
-              <a:latin typeface="Calibri"/>
-              <a:ea typeface="Calibri"/>
-              <a:cs typeface="Calibri"/>
-              <a:sym typeface="Calibri"/>
-            </a:endParaRPr>
-          </a:p>
-        </p:txBody>
-      </p:sp>
-      <p:sp>
-        <p:nvSpPr>
-          <p:cNvPr id="190" name="Google Shape;190;p21"/>
-          <p:cNvSpPr txBox="1"/>
-          <p:nvPr/>
-        </p:nvSpPr>
-        <p:spPr>
-          <a:xfrm>
-            <a:off x="675278" y="696119"/>
-            <a:ext cx="4049122" cy="457200"/>
-          </a:xfrm>
-          <a:prstGeom prst="rect">
-            <a:avLst/>
-          </a:prstGeom>
-          <a:noFill/>
-          <a:ln>
-            <a:noFill/>
-          </a:ln>
-        </p:spPr>
-        <p:txBody>
-          <a:bodyPr spcFirstLastPara="1" wrap="square" lIns="100550" tIns="50275" rIns="100550" bIns="50275" anchor="t" anchorCtr="0">
-            <a:noAutofit/>
-          </a:bodyPr>
-          <a:lstStyle/>
-          <a:p>
-            <a:pPr marL="0" marR="0" lvl="0" indent="0" algn="l" rtl="0">
-              <a:spcBef>
-                <a:spcPts val="0"/>
-              </a:spcBef>
-              <a:spcAft>
-                <a:spcPts val="0"/>
-              </a:spcAft>
-              <a:buClr>
-                <a:srgbClr val="2B3B4B"/>
-              </a:buClr>
-              <a:buSzPts val="1800"/>
-              <a:buFont typeface="Arial"/>
-              <a:buNone/>
-            </a:pPr>
-            <a:r>
-              <a:rPr lang="en-US" sz="1800" b="1">
-                <a:solidFill>
-                  <a:srgbClr val="2B3B4B"/>
-                </a:solidFill>
-                <a:latin typeface="Tahoma"/>
-                <a:ea typeface="Tahoma"/>
-                <a:cs typeface="Tahoma"/>
-                <a:sym typeface="Tahoma"/>
-              </a:rPr>
-              <a:t>Challenges &amp; Risks</a:t>
-            </a:r>
-            <a:endParaRPr/>
-          </a:p>
-        </p:txBody>
-      </p:sp>
-      <p:sp>
-        <p:nvSpPr>
-          <p:cNvPr id="191" name="Google Shape;191;p21"/>
-          <p:cNvSpPr txBox="1"/>
-          <p:nvPr/>
-        </p:nvSpPr>
-        <p:spPr>
-          <a:xfrm>
-            <a:off x="699859" y="1305719"/>
-            <a:ext cx="8534400" cy="3581400"/>
-          </a:xfrm>
-          <a:prstGeom prst="rect">
-            <a:avLst/>
-          </a:prstGeom>
-          <a:noFill/>
-          <a:ln>
-            <a:noFill/>
-          </a:ln>
-        </p:spPr>
-        <p:txBody>
-          <a:bodyPr spcFirstLastPara="1" wrap="square" lIns="100550" tIns="50275" rIns="100550" bIns="50275" anchor="t" anchorCtr="0">
-            <a:noAutofit/>
-          </a:bodyPr>
-          <a:lstStyle/>
-          <a:p>
-            <a:pPr marL="0" marR="0" lvl="0" indent="0" algn="l" rtl="0">
-              <a:lnSpc>
-                <a:spcPct val="160000"/>
-              </a:lnSpc>
-              <a:spcBef>
-                <a:spcPts val="0"/>
-              </a:spcBef>
-              <a:spcAft>
-                <a:spcPts val="0"/>
-              </a:spcAft>
-              <a:buClr>
-                <a:srgbClr val="2B3B4B"/>
-              </a:buClr>
-              <a:buSzPts val="1400"/>
-              <a:buFont typeface="Tahoma"/>
-              <a:buNone/>
-            </a:pPr>
-            <a:r>
-              <a:rPr lang="en-US" sz="1400" b="1" dirty="0">
-                <a:solidFill>
-                  <a:srgbClr val="2B3B4B"/>
-                </a:solidFill>
-                <a:latin typeface="Tahoma"/>
-                <a:ea typeface="Tahoma"/>
-                <a:cs typeface="Tahoma"/>
-                <a:sym typeface="Tahoma"/>
-              </a:rPr>
-              <a:t>Challenges Ahead:</a:t>
-            </a:r>
-            <a:endParaRPr dirty="0"/>
-          </a:p>
-          <a:p>
-            <a:pPr marL="171450" marR="0" lvl="0" indent="-171450" algn="l" rtl="0">
-              <a:lnSpc>
-                <a:spcPct val="160000"/>
-              </a:lnSpc>
-              <a:spcBef>
-                <a:spcPts val="0"/>
-              </a:spcBef>
-              <a:spcAft>
-                <a:spcPts val="0"/>
-              </a:spcAft>
-              <a:buClr>
-                <a:srgbClr val="0000FF"/>
-              </a:buClr>
-              <a:buSzPts val="1200"/>
-              <a:buFont typeface="Arial" panose="020B0604020202020204" pitchFamily="34" charset="0"/>
-              <a:buChar char="•"/>
-            </a:pPr>
-            <a:r>
-              <a:rPr lang="en-US" sz="1200" dirty="0" smtClean="0">
-                <a:solidFill>
-                  <a:srgbClr val="002060"/>
-                </a:solidFill>
-                <a:latin typeface="Tahoma"/>
-                <a:ea typeface="Tahoma"/>
-                <a:cs typeface="Tahoma"/>
-                <a:sym typeface="Tahoma"/>
-              </a:rPr>
-              <a:t>In case of Forgot Password, user cannot gain access to their account and will lose progress.</a:t>
-            </a:r>
-          </a:p>
-          <a:p>
-            <a:pPr marL="171450" marR="0" lvl="0" indent="-171450" algn="l" rtl="0">
-              <a:lnSpc>
-                <a:spcPct val="160000"/>
-              </a:lnSpc>
-              <a:spcBef>
-                <a:spcPts val="0"/>
-              </a:spcBef>
-              <a:spcAft>
-                <a:spcPts val="0"/>
-              </a:spcAft>
-              <a:buClr>
-                <a:srgbClr val="0000FF"/>
-              </a:buClr>
-              <a:buSzPts val="1200"/>
-              <a:buFont typeface="Arial" panose="020B0604020202020204" pitchFamily="34" charset="0"/>
-              <a:buChar char="•"/>
-            </a:pPr>
-            <a:r>
-              <a:rPr lang="en-US" sz="1200" dirty="0" smtClean="0">
-                <a:solidFill>
-                  <a:srgbClr val="002060"/>
-                </a:solidFill>
-                <a:latin typeface="Tahoma"/>
-                <a:ea typeface="Tahoma"/>
-                <a:cs typeface="Tahoma"/>
-                <a:sym typeface="Tahoma"/>
-              </a:rPr>
-              <a:t>Only one Admin login exists in the system </a:t>
-            </a:r>
-            <a:r>
-              <a:rPr lang="en-US" sz="1200" dirty="0" smtClean="0">
-                <a:solidFill>
-                  <a:srgbClr val="002060"/>
-                </a:solidFill>
-                <a:latin typeface="Tahoma"/>
-                <a:ea typeface="Tahoma"/>
-                <a:cs typeface="Tahoma"/>
-                <a:sym typeface="Tahoma"/>
-              </a:rPr>
-              <a:t>database.</a:t>
-            </a:r>
-            <a:endParaRPr lang="en-US" sz="1200" dirty="0" smtClean="0">
-              <a:solidFill>
-                <a:srgbClr val="002060"/>
-              </a:solidFill>
-              <a:latin typeface="Tahoma"/>
-              <a:ea typeface="Tahoma"/>
-              <a:cs typeface="Tahoma"/>
-              <a:sym typeface="Tahoma"/>
-            </a:endParaRPr>
-          </a:p>
-          <a:p>
-            <a:pPr marL="171450" marR="0" lvl="0" indent="-171450" algn="l" rtl="0">
-              <a:lnSpc>
-                <a:spcPct val="160000"/>
-              </a:lnSpc>
-              <a:spcBef>
-                <a:spcPts val="0"/>
-              </a:spcBef>
-              <a:spcAft>
-                <a:spcPts val="0"/>
-              </a:spcAft>
-              <a:buClr>
-                <a:srgbClr val="0000FF"/>
-              </a:buClr>
-              <a:buSzPts val="1200"/>
-              <a:buFont typeface="Arial" panose="020B0604020202020204" pitchFamily="34" charset="0"/>
-              <a:buChar char="•"/>
-            </a:pPr>
-            <a:r>
-              <a:rPr lang="en-US" sz="1200" dirty="0" smtClean="0">
-                <a:solidFill>
-                  <a:srgbClr val="002060"/>
-                </a:solidFill>
-                <a:latin typeface="Tahoma"/>
-                <a:ea typeface="Tahoma"/>
-                <a:cs typeface="Tahoma"/>
-                <a:sym typeface="Tahoma"/>
-              </a:rPr>
-              <a:t>Google </a:t>
-            </a:r>
-            <a:r>
-              <a:rPr lang="en-US" sz="1200" dirty="0" smtClean="0">
-                <a:solidFill>
-                  <a:srgbClr val="002060"/>
-                </a:solidFill>
-                <a:latin typeface="Tahoma"/>
-                <a:ea typeface="Tahoma"/>
-                <a:cs typeface="Tahoma"/>
-                <a:sym typeface="Tahoma"/>
-              </a:rPr>
-              <a:t>Charts rendering speed.</a:t>
-            </a:r>
-            <a:endParaRPr lang="en-US" dirty="0">
-              <a:solidFill>
-                <a:srgbClr val="002060"/>
-              </a:solidFill>
-              <a:ea typeface="Tahoma"/>
-            </a:endParaRPr>
-          </a:p>
-          <a:p>
-            <a:pPr marL="171450" marR="0" lvl="0" indent="-171450" algn="l" rtl="0">
-              <a:lnSpc>
-                <a:spcPct val="160000"/>
-              </a:lnSpc>
-              <a:spcBef>
-                <a:spcPts val="0"/>
-              </a:spcBef>
-              <a:spcAft>
-                <a:spcPts val="0"/>
-              </a:spcAft>
-              <a:buClr>
-                <a:srgbClr val="0000FF"/>
-              </a:buClr>
-              <a:buSzPts val="1200"/>
-              <a:buFont typeface="Arial" panose="020B0604020202020204" pitchFamily="34" charset="0"/>
-              <a:buChar char="•"/>
-            </a:pPr>
-            <a:endParaRPr sz="1600" dirty="0">
-              <a:solidFill>
-                <a:srgbClr val="2B3B4B"/>
-              </a:solidFill>
-              <a:latin typeface="Tahoma"/>
-              <a:ea typeface="Tahoma"/>
-              <a:cs typeface="Tahoma"/>
-              <a:sym typeface="Tahoma"/>
-            </a:endParaRPr>
-          </a:p>
-          <a:p>
-            <a:pPr marL="0" marR="0" lvl="0" indent="0" algn="l" rtl="0">
-              <a:lnSpc>
-                <a:spcPct val="160000"/>
-              </a:lnSpc>
-              <a:spcBef>
-                <a:spcPts val="0"/>
-              </a:spcBef>
-              <a:spcAft>
-                <a:spcPts val="0"/>
-              </a:spcAft>
-              <a:buClr>
-                <a:schemeClr val="dk1"/>
-              </a:buClr>
-              <a:buSzPts val="1400"/>
-              <a:buFont typeface="Calibri"/>
-              <a:buNone/>
-            </a:pPr>
-            <a:endParaRPr sz="1400" dirty="0">
-              <a:solidFill>
-                <a:srgbClr val="2B3B4B"/>
-              </a:solidFill>
-              <a:latin typeface="Tahoma"/>
-              <a:ea typeface="Tahoma"/>
-              <a:cs typeface="Tahoma"/>
-              <a:sym typeface="Tahoma"/>
-            </a:endParaRPr>
-          </a:p>
-        </p:txBody>
-      </p:sp>
-    </p:spTree>
-  </p:cSld>
-  <p:clrMapOvr>
-    <a:masterClrMapping/>
-  </p:clrMapOvr>
-  <p:timing>
-    <p:tnLst>
-      <p:par>
-        <p:cTn id="1" dur="indefinite" restart="never" nodeType="tmRoot"/>
-      </p:par>
-    </p:tnLst>
-  </p:timing>
-</p:sld>
-</file>
-
-<file path=ppt/slides/slide7.xml><?xml version="1.0" encoding="utf-8"?>
-<p:sld xmlns:a="http://schemas.openxmlformats.org/drawingml/2006/main" xmlns:r="http://schemas.openxmlformats.org/officeDocument/2006/relationships" xmlns:p="http://schemas.openxmlformats.org/presentationml/2006/main">
-  <p:cSld>
-    <p:spTree>
-      <p:nvGrpSpPr>
         <p:cNvPr id="1" name="Shape 222"/>
         <p:cNvGrpSpPr/>
         <p:nvPr/>
@@ -19299,7 +18792,7 @@
 </p:sld>
 </file>
 
-<file path=ppt/slides/slide8.xml><?xml version="1.0" encoding="utf-8"?>
+<file path=ppt/slides/slide7.xml><?xml version="1.0" encoding="utf-8"?>
 <p:sld xmlns:a="http://schemas.openxmlformats.org/drawingml/2006/main" xmlns:r="http://schemas.openxmlformats.org/officeDocument/2006/relationships" xmlns:p="http://schemas.openxmlformats.org/presentationml/2006/main">
   <p:cSld>
     <p:spTree>
@@ -19396,7 +18889,7 @@
 </p:sld>
 </file>
 
-<file path=ppt/slides/slide9.xml><?xml version="1.0" encoding="utf-8"?>
+<file path=ppt/slides/slide8.xml><?xml version="1.0" encoding="utf-8"?>
 <p:sld xmlns:a="http://schemas.openxmlformats.org/drawingml/2006/main" xmlns:r="http://schemas.openxmlformats.org/officeDocument/2006/relationships" xmlns:p="http://schemas.openxmlformats.org/presentationml/2006/main">
   <p:cSld>
     <p:spTree>
@@ -19561,7 +19054,7 @@
             </a:pPr>
             <a:fld id="{00000000-1234-1234-1234-123412341234}" type="slidenum">
               <a:rPr lang="en-US"/>
-              <a:t>9</a:t>
+              <a:t>8</a:t>
             </a:fld>
             <a:endParaRPr/>
           </a:p>
